--- a/RESUMEN1EVA/UT1-INTRODUCCION.pptx
+++ b/RESUMEN1EVA/UT1-INTRODUCCION.pptx
@@ -291,7 +291,7 @@
           <a:p>
             <a:fld id="{7A847CFC-816F-41D0-AAC0-9BF4FEBC753E}" type="datetimeFigureOut">
               <a:rPr lang="es-ES" smtClean="0"/>
-              <a:t>12/11/2023</a:t>
+              <a:t>13/11/2023</a:t>
             </a:fld>
             <a:endParaRPr lang="es-ES"/>
           </a:p>
@@ -456,7 +456,7 @@
           <a:p>
             <a:fld id="{7A847CFC-816F-41D0-AAC0-9BF4FEBC753E}" type="datetimeFigureOut">
               <a:rPr lang="es-ES" smtClean="0"/>
-              <a:t>12/11/2023</a:t>
+              <a:t>13/11/2023</a:t>
             </a:fld>
             <a:endParaRPr lang="es-ES"/>
           </a:p>
@@ -631,7 +631,7 @@
           <a:p>
             <a:fld id="{7A847CFC-816F-41D0-AAC0-9BF4FEBC753E}" type="datetimeFigureOut">
               <a:rPr lang="es-ES" smtClean="0"/>
-              <a:t>12/11/2023</a:t>
+              <a:t>13/11/2023</a:t>
             </a:fld>
             <a:endParaRPr lang="es-ES"/>
           </a:p>
@@ -796,7 +796,7 @@
           <a:p>
             <a:fld id="{7A847CFC-816F-41D0-AAC0-9BF4FEBC753E}" type="datetimeFigureOut">
               <a:rPr lang="es-ES" smtClean="0"/>
-              <a:t>12/11/2023</a:t>
+              <a:t>13/11/2023</a:t>
             </a:fld>
             <a:endParaRPr lang="es-ES"/>
           </a:p>
@@ -1037,7 +1037,7 @@
           <a:p>
             <a:fld id="{7A847CFC-816F-41D0-AAC0-9BF4FEBC753E}" type="datetimeFigureOut">
               <a:rPr lang="es-ES" smtClean="0"/>
-              <a:t>12/11/2023</a:t>
+              <a:t>13/11/2023</a:t>
             </a:fld>
             <a:endParaRPr lang="es-ES"/>
           </a:p>
@@ -1320,7 +1320,7 @@
           <a:p>
             <a:fld id="{7A847CFC-816F-41D0-AAC0-9BF4FEBC753E}" type="datetimeFigureOut">
               <a:rPr lang="es-ES" smtClean="0"/>
-              <a:t>12/11/2023</a:t>
+              <a:t>13/11/2023</a:t>
             </a:fld>
             <a:endParaRPr lang="es-ES"/>
           </a:p>
@@ -1737,7 +1737,7 @@
           <a:p>
             <a:fld id="{7A847CFC-816F-41D0-AAC0-9BF4FEBC753E}" type="datetimeFigureOut">
               <a:rPr lang="es-ES" smtClean="0"/>
-              <a:t>12/11/2023</a:t>
+              <a:t>13/11/2023</a:t>
             </a:fld>
             <a:endParaRPr lang="es-ES"/>
           </a:p>
@@ -1850,7 +1850,7 @@
           <a:p>
             <a:fld id="{7A847CFC-816F-41D0-AAC0-9BF4FEBC753E}" type="datetimeFigureOut">
               <a:rPr lang="es-ES" smtClean="0"/>
-              <a:t>12/11/2023</a:t>
+              <a:t>13/11/2023</a:t>
             </a:fld>
             <a:endParaRPr lang="es-ES"/>
           </a:p>
@@ -1940,7 +1940,7 @@
           <a:p>
             <a:fld id="{7A847CFC-816F-41D0-AAC0-9BF4FEBC753E}" type="datetimeFigureOut">
               <a:rPr lang="es-ES" smtClean="0"/>
-              <a:t>12/11/2023</a:t>
+              <a:t>13/11/2023</a:t>
             </a:fld>
             <a:endParaRPr lang="es-ES"/>
           </a:p>
@@ -2212,7 +2212,7 @@
           <a:p>
             <a:fld id="{7A847CFC-816F-41D0-AAC0-9BF4FEBC753E}" type="datetimeFigureOut">
               <a:rPr lang="es-ES" smtClean="0"/>
-              <a:t>12/11/2023</a:t>
+              <a:t>13/11/2023</a:t>
             </a:fld>
             <a:endParaRPr lang="es-ES"/>
           </a:p>
@@ -2460,7 +2460,7 @@
           <a:p>
             <a:fld id="{7A847CFC-816F-41D0-AAC0-9BF4FEBC753E}" type="datetimeFigureOut">
               <a:rPr lang="es-ES" smtClean="0"/>
-              <a:t>12/11/2023</a:t>
+              <a:t>13/11/2023</a:t>
             </a:fld>
             <a:endParaRPr lang="es-ES"/>
           </a:p>
@@ -2668,7 +2668,7 @@
           <a:p>
             <a:fld id="{7A847CFC-816F-41D0-AAC0-9BF4FEBC753E}" type="datetimeFigureOut">
               <a:rPr lang="es-ES" smtClean="0"/>
-              <a:t>12/11/2023</a:t>
+              <a:t>13/11/2023</a:t>
             </a:fld>
             <a:endParaRPr lang="es-ES"/>
           </a:p>
@@ -3154,11 +3154,15 @@
           <a:p>
             <a:r>
               <a:rPr lang="es-ES" dirty="0" smtClean="0"/>
-              <a:t>Una interfaz es un medio con el cual el usuario puede comunicarse con una máquina o sistema </a:t>
-            </a:r>
-            <a:r>
-              <a:rPr lang="es-ES" dirty="0" err="1" smtClean="0"/>
-              <a:t>tecnoloógico</a:t>
+              <a:t>Una interfaz es un medio con el cual el usuario puede comunicarse con una máquina o </a:t>
+            </a:r>
+            <a:r>
+              <a:rPr lang="es-ES" smtClean="0"/>
+              <a:t>sistema </a:t>
+            </a:r>
+            <a:r>
+              <a:rPr lang="es-ES" smtClean="0"/>
+              <a:t>tecnológico</a:t>
             </a:r>
             <a:r>
               <a:rPr lang="es-ES" dirty="0" smtClean="0"/>
